--- a/Report/15-12-02 Project Progress Report.pptx
+++ b/Report/15-12-02 Project Progress Report.pptx
@@ -5208,7 +5208,6 @@
               <a:rPr lang="en-US" altLang="ko-KR" dirty="0" smtClean="0"/>
               <a:t>L3/L4 layer handling</a:t>
             </a:r>
-            <a:endParaRPr lang="en-US" altLang="ko-KR" dirty="0" smtClean="0"/>
           </a:p>
           <a:p>
             <a:r>
@@ -5693,15 +5692,7 @@
             </a:r>
             <a:r>
               <a:rPr lang="ko-KR" altLang="en-US" dirty="0" smtClean="0"/>
-              <a:t>할 수 있</a:t>
-            </a:r>
-            <a:r>
-              <a:rPr lang="ko-KR" altLang="en-US" dirty="0" smtClean="0"/>
-              <a:t>도록</a:t>
-            </a:r>
-            <a:r>
-              <a:rPr lang="ko-KR" altLang="en-US" dirty="0" smtClean="0"/>
-              <a:t> 수정하면 된다</a:t>
+              <a:t>할 수 있도록 수정하면 된다</a:t>
             </a:r>
             <a:r>
               <a:rPr lang="en-US" altLang="ko-KR" dirty="0" smtClean="0"/>
@@ -5812,11 +5803,7 @@
           <a:p>
             <a:r>
               <a:rPr lang="en-US" altLang="ko-KR" dirty="0" err="1" smtClean="0"/>
-              <a:t>dst</a:t>
-            </a:r>
-            <a:r>
-              <a:rPr lang="en-US" altLang="ko-KR" dirty="0" err="1" smtClean="0"/>
-              <a:t>_input</a:t>
+              <a:t>dst_input</a:t>
             </a:r>
             <a:r>
               <a:rPr lang="en-US" altLang="ko-KR" dirty="0" smtClean="0"/>
@@ -5834,11 +5821,7 @@
             <a:pPr lvl="1"/>
             <a:r>
               <a:rPr lang="ko-KR" altLang="en-US" dirty="0" smtClean="0"/>
-              <a:t>이 함수의 선언에 따라 패킷을 </a:t>
-            </a:r>
-            <a:r>
-              <a:rPr lang="ko-KR" altLang="en-US" dirty="0" smtClean="0"/>
-              <a:t>다른 라우터로 </a:t>
+              <a:t>이 함수의 선언에 따라 패킷을 다른 라우터로 </a:t>
             </a:r>
             <a:r>
               <a:rPr lang="en-US" altLang="ko-KR" dirty="0" smtClean="0"/>
@@ -5879,12 +5862,16 @@
           <a:p>
             <a:pPr lvl="1"/>
             <a:r>
-              <a:rPr lang="en-US" altLang="ko-KR" dirty="0" err="1" smtClean="0"/>
-              <a:t>Ip</a:t>
-            </a:r>
-            <a:r>
-              <a:rPr lang="en-US" altLang="ko-KR" dirty="0" smtClean="0"/>
-              <a:t> table</a:t>
+              <a:rPr lang="en-US" altLang="ko-KR" dirty="0" smtClean="0"/>
+              <a:t>routing</a:t>
+            </a:r>
+            <a:r>
+              <a:rPr lang="en-US" altLang="ko-KR" dirty="0" smtClean="0"/>
+              <a:t> </a:t>
+            </a:r>
+            <a:r>
+              <a:rPr lang="en-US" altLang="ko-KR" dirty="0" smtClean="0"/>
+              <a:t>table</a:t>
             </a:r>
             <a:r>
               <a:rPr lang="ko-KR" altLang="en-US" dirty="0" smtClean="0"/>
@@ -5989,11 +5976,7 @@
             </a:r>
             <a:r>
               <a:rPr lang="ko-KR" altLang="en-US" dirty="0" smtClean="0"/>
-              <a:t>함으로써 기능을 선택</a:t>
-            </a:r>
-            <a:r>
-              <a:rPr lang="ko-KR" altLang="en-US" dirty="0" smtClean="0"/>
-              <a:t>  </a:t>
+              <a:t>함으로써 기능을 선택  </a:t>
             </a:r>
             <a:endParaRPr lang="en-US" altLang="ko-KR" dirty="0" smtClean="0"/>
           </a:p>
@@ -6040,7 +6023,11 @@
           <a:p>
             <a:r>
               <a:rPr lang="en-US" altLang="ko-KR" dirty="0" smtClean="0"/>
-              <a:t>Related Function</a:t>
+              <a:t>Related </a:t>
+            </a:r>
+            <a:r>
+              <a:rPr lang="en-US" altLang="ko-KR" dirty="0" smtClean="0"/>
+              <a:t>Function(Layer 3)</a:t>
             </a:r>
             <a:endParaRPr lang="ko-KR" altLang="en-US" dirty="0"/>
           </a:p>
@@ -6142,11 +6129,7 @@
           <a:p>
             <a:r>
               <a:rPr lang="ko-KR" altLang="en-US" dirty="0" smtClean="0"/>
-              <a:t>이 테스트는 </a:t>
-            </a:r>
-            <a:r>
-              <a:rPr lang="ko-KR" altLang="en-US" dirty="0" smtClean="0"/>
-              <a:t>라우터의 기능을 테스트 한것이라기 보다는</a:t>
+              <a:t>이 테스트는 라우터의 기능을 테스트 한것이라기 보다는</a:t>
             </a:r>
             <a:r>
               <a:rPr lang="en-US" altLang="ko-KR" dirty="0"/>
@@ -6521,12 +6504,16 @@
               <a:t>위와 같이 </a:t>
             </a:r>
             <a:r>
-              <a:rPr lang="en-US" altLang="ko-KR" dirty="0" err="1" smtClean="0"/>
-              <a:t>ip_local_delive</a:t>
+              <a:rPr lang="en-US" altLang="ko-KR" dirty="0" smtClean="0"/>
+              <a:t>ip_local_deliver</a:t>
             </a:r>
             <a:r>
               <a:rPr lang="ko-KR" altLang="en-US" dirty="0" smtClean="0"/>
-              <a:t>를 사용함으로 </a:t>
+              <a:t>를 </a:t>
+            </a:r>
+            <a:r>
+              <a:rPr lang="ko-KR" altLang="en-US" dirty="0" smtClean="0"/>
+              <a:t>사용함으로 </a:t>
             </a:r>
             <a:r>
               <a:rPr lang="en-US" altLang="ko-KR" dirty="0" smtClean="0"/>
@@ -6717,11 +6704,15 @@
             </a:r>
             <a:r>
               <a:rPr lang="en-US" altLang="ko-KR" dirty="0" smtClean="0"/>
-              <a:t>L4 layer</a:t>
+              <a:t>L4 </a:t>
+            </a:r>
+            <a:r>
+              <a:rPr lang="en-US" altLang="ko-KR" dirty="0" smtClean="0"/>
+              <a:t>layer</a:t>
             </a:r>
             <a:r>
               <a:rPr lang="ko-KR" altLang="en-US" dirty="0" smtClean="0"/>
-              <a:t>에 있는 </a:t>
+              <a:t>의 </a:t>
             </a:r>
             <a:r>
               <a:rPr lang="en-US" altLang="ko-KR" dirty="0" smtClean="0"/>
